--- a/Lending_Club_Case_study_presentation.pptx
+++ b/Lending_Club_Case_study_presentation.pptx
@@ -3678,7 +3678,7 @@
           <a:p>
             <a:fld id="{70348692-6CCA-4834-825C-24438B0D5208}" type="datetimeFigureOut">
               <a:rPr lang="en-US" smtClean="0"/>
-              <a:t>11/8/2023</a:t>
+              <a:t>11/9/2023</a:t>
             </a:fld>
             <a:endParaRPr lang="en-US"/>
           </a:p>
@@ -3974,7 +3974,7 @@
           <a:p>
             <a:fld id="{70348692-6CCA-4834-825C-24438B0D5208}" type="datetimeFigureOut">
               <a:rPr lang="en-US" smtClean="0"/>
-              <a:t>11/8/2023</a:t>
+              <a:t>11/9/2023</a:t>
             </a:fld>
             <a:endParaRPr lang="en-US"/>
           </a:p>
@@ -4222,7 +4222,7 @@
           <a:p>
             <a:fld id="{70348692-6CCA-4834-825C-24438B0D5208}" type="datetimeFigureOut">
               <a:rPr lang="en-US" smtClean="0"/>
-              <a:t>11/8/2023</a:t>
+              <a:t>11/9/2023</a:t>
             </a:fld>
             <a:endParaRPr lang="en-US"/>
           </a:p>
@@ -4762,7 +4762,7 @@
           <a:p>
             <a:fld id="{70348692-6CCA-4834-825C-24438B0D5208}" type="datetimeFigureOut">
               <a:rPr lang="en-US" smtClean="0"/>
-              <a:t>11/8/2023</a:t>
+              <a:t>11/9/2023</a:t>
             </a:fld>
             <a:endParaRPr lang="en-US"/>
           </a:p>
@@ -5010,7 +5010,7 @@
           <a:p>
             <a:fld id="{70348692-6CCA-4834-825C-24438B0D5208}" type="datetimeFigureOut">
               <a:rPr lang="en-US" smtClean="0"/>
-              <a:t>11/8/2023</a:t>
+              <a:t>11/9/2023</a:t>
             </a:fld>
             <a:endParaRPr lang="en-US"/>
           </a:p>
@@ -5542,7 +5542,7 @@
           <a:p>
             <a:fld id="{70348692-6CCA-4834-825C-24438B0D5208}" type="datetimeFigureOut">
               <a:rPr lang="en-US" smtClean="0"/>
-              <a:t>11/8/2023</a:t>
+              <a:t>11/9/2023</a:t>
             </a:fld>
             <a:endParaRPr lang="en-US"/>
           </a:p>
@@ -5839,7 +5839,7 @@
           <a:p>
             <a:fld id="{70348692-6CCA-4834-825C-24438B0D5208}" type="datetimeFigureOut">
               <a:rPr lang="en-US" smtClean="0"/>
-              <a:t>11/8/2023</a:t>
+              <a:t>11/9/2023</a:t>
             </a:fld>
             <a:endParaRPr lang="en-US"/>
           </a:p>
@@ -6013,7 +6013,7 @@
           <a:p>
             <a:fld id="{70348692-6CCA-4834-825C-24438B0D5208}" type="datetimeFigureOut">
               <a:rPr lang="en-US" smtClean="0"/>
-              <a:t>11/8/2023</a:t>
+              <a:t>11/9/2023</a:t>
             </a:fld>
             <a:endParaRPr lang="en-US"/>
           </a:p>
@@ -6193,7 +6193,7 @@
           <a:p>
             <a:fld id="{70348692-6CCA-4834-825C-24438B0D5208}" type="datetimeFigureOut">
               <a:rPr lang="en-US" smtClean="0"/>
-              <a:t>11/8/2023</a:t>
+              <a:t>11/9/2023</a:t>
             </a:fld>
             <a:endParaRPr lang="en-US"/>
           </a:p>
@@ -6363,7 +6363,7 @@
           <a:p>
             <a:fld id="{70348692-6CCA-4834-825C-24438B0D5208}" type="datetimeFigureOut">
               <a:rPr lang="en-US" smtClean="0"/>
-              <a:t>11/8/2023</a:t>
+              <a:t>11/9/2023</a:t>
             </a:fld>
             <a:endParaRPr lang="en-US"/>
           </a:p>
@@ -6614,7 +6614,7 @@
           <a:p>
             <a:fld id="{70348692-6CCA-4834-825C-24438B0D5208}" type="datetimeFigureOut">
               <a:rPr lang="en-US" smtClean="0"/>
-              <a:t>11/8/2023</a:t>
+              <a:t>11/9/2023</a:t>
             </a:fld>
             <a:endParaRPr lang="en-US"/>
           </a:p>
@@ -6911,7 +6911,7 @@
           <a:p>
             <a:fld id="{70348692-6CCA-4834-825C-24438B0D5208}" type="datetimeFigureOut">
               <a:rPr lang="en-US" smtClean="0"/>
-              <a:t>11/8/2023</a:t>
+              <a:t>11/9/2023</a:t>
             </a:fld>
             <a:endParaRPr lang="en-US"/>
           </a:p>
@@ -7353,7 +7353,7 @@
           <a:p>
             <a:fld id="{70348692-6CCA-4834-825C-24438B0D5208}" type="datetimeFigureOut">
               <a:rPr lang="en-US" smtClean="0"/>
-              <a:t>11/8/2023</a:t>
+              <a:t>11/9/2023</a:t>
             </a:fld>
             <a:endParaRPr lang="en-US"/>
           </a:p>
@@ -7471,7 +7471,7 @@
           <a:p>
             <a:fld id="{70348692-6CCA-4834-825C-24438B0D5208}" type="datetimeFigureOut">
               <a:rPr lang="en-US" smtClean="0"/>
-              <a:t>11/8/2023</a:t>
+              <a:t>11/9/2023</a:t>
             </a:fld>
             <a:endParaRPr lang="en-US"/>
           </a:p>
@@ -7566,7 +7566,7 @@
           <a:p>
             <a:fld id="{70348692-6CCA-4834-825C-24438B0D5208}" type="datetimeFigureOut">
               <a:rPr lang="en-US" smtClean="0"/>
-              <a:t>11/8/2023</a:t>
+              <a:t>11/9/2023</a:t>
             </a:fld>
             <a:endParaRPr lang="en-US"/>
           </a:p>
@@ -7849,7 +7849,7 @@
           <a:p>
             <a:fld id="{70348692-6CCA-4834-825C-24438B0D5208}" type="datetimeFigureOut">
               <a:rPr lang="en-US" smtClean="0"/>
-              <a:t>11/8/2023</a:t>
+              <a:t>11/9/2023</a:t>
             </a:fld>
             <a:endParaRPr lang="en-US"/>
           </a:p>
@@ -8140,7 +8140,7 @@
           <a:p>
             <a:fld id="{70348692-6CCA-4834-825C-24438B0D5208}" type="datetimeFigureOut">
               <a:rPr lang="en-US" smtClean="0"/>
-              <a:t>11/8/2023</a:t>
+              <a:t>11/9/2023</a:t>
             </a:fld>
             <a:endParaRPr lang="en-US"/>
           </a:p>
@@ -8670,7 +8670,7 @@
           <a:p>
             <a:fld id="{70348692-6CCA-4834-825C-24438B0D5208}" type="datetimeFigureOut">
               <a:rPr lang="en-US" smtClean="0"/>
-              <a:t>11/8/2023</a:t>
+              <a:t>11/9/2023</a:t>
             </a:fld>
             <a:endParaRPr lang="en-US"/>
           </a:p>
@@ -9276,11 +9276,7 @@
           <a:p>
             <a:r>
               <a:rPr lang="en-US" dirty="0" smtClean="0"/>
-              <a:t>By : Sneha </a:t>
-            </a:r>
-            <a:r>
-              <a:rPr lang="en-US" dirty="0" smtClean="0"/>
-              <a:t>Bajaj</a:t>
+              <a:t>By : Sneha Bajaj</a:t>
             </a:r>
           </a:p>
           <a:p>
@@ -13776,8 +13772,8 @@
         </p:nvSpPr>
         <p:spPr>
           <a:xfrm>
-            <a:off x="2481943" y="1149531"/>
-            <a:ext cx="8033657" cy="954107"/>
+            <a:off x="1580607" y="1149531"/>
+            <a:ext cx="9823268" cy="1815882"/>
           </a:xfrm>
           <a:prstGeom prst="rect">
             <a:avLst/>
@@ -13811,6 +13807,34 @@
             </a:r>
           </a:p>
           <a:p>
+            <a:endParaRPr lang="en-US" sz="2800" b="1" dirty="0" smtClean="0">
+              <a:ln w="3175" cmpd="sng">
+                <a:noFill/>
+              </a:ln>
+              <a:ea typeface="+mj-ea"/>
+              <a:cs typeface="Arial" panose="020B0604020202020204" pitchFamily="34" charset="0"/>
+            </a:endParaRPr>
+          </a:p>
+          <a:p>
+            <a:endParaRPr lang="en-US" sz="2800" b="1" dirty="0">
+              <a:ln w="3175" cmpd="sng">
+                <a:noFill/>
+              </a:ln>
+              <a:ea typeface="+mj-ea"/>
+              <a:cs typeface="Arial" panose="020B0604020202020204" pitchFamily="34" charset="0"/>
+            </a:endParaRPr>
+          </a:p>
+          <a:p>
+            <a:r>
+              <a:rPr lang="en-US" sz="2800" b="1" dirty="0">
+                <a:ln w="3175" cmpd="sng">
+                  <a:noFill/>
+                </a:ln>
+                <a:ea typeface="+mj-ea"/>
+                <a:cs typeface="Arial" panose="020B0604020202020204" pitchFamily="34" charset="0"/>
+              </a:rPr>
+              <a:t>https://github.com/SnehaJain09/Lending_Club_Case_Study</a:t>
+            </a:r>
             <a:endParaRPr lang="en-US" sz="2800" b="1" dirty="0">
               <a:ln w="3175" cmpd="sng">
                 <a:noFill/>
